--- a/FrontEndWorkshop-Week2.pptx
+++ b/FrontEndWorkshop-Week2.pptx
@@ -250,7 +250,7 @@
           <a:p>
             <a:fld id="{A8E03A04-0626-44D4-B6D6-43B9D98023FD}" type="datetimeFigureOut">
               <a:rPr lang="en-US" smtClean="0"/>
-              <a:t>11/7/16</a:t>
+              <a:t>11/8/16</a:t>
             </a:fld>
             <a:endParaRPr lang="en-US"/>
           </a:p>
@@ -7214,14 +7214,14 @@
           </a:ln>
           <a:extLst>
             <a:ext uri="{909E8E84-426E-40dd-AFC4-6F175D3DCCD1}">
-              <a14:hiddenFill xmlns="" xmlns:a14="http://schemas.microsoft.com/office/drawing/2010/main">
+              <a14:hiddenFill xmlns:a14="http://schemas.microsoft.com/office/drawing/2010/main" xmlns="">
                 <a:solidFill>
                   <a:srgbClr val="FFFFFF"/>
                 </a:solidFill>
               </a14:hiddenFill>
             </a:ext>
             <a:ext uri="{91240B29-F687-4f45-9708-019B960494DF}">
-              <a14:hiddenLine xmlns="" xmlns:a14="http://schemas.microsoft.com/office/drawing/2010/main" w="12700">
+              <a14:hiddenLine xmlns:a14="http://schemas.microsoft.com/office/drawing/2010/main" xmlns="" w="12700">
                 <a:solidFill>
                   <a:srgbClr val="000000"/>
                 </a:solidFill>
@@ -7784,14 +7784,14 @@
           </a:ln>
           <a:extLst>
             <a:ext uri="{909E8E84-426E-40dd-AFC4-6F175D3DCCD1}">
-              <a14:hiddenFill xmlns="" xmlns:a14="http://schemas.microsoft.com/office/drawing/2010/main">
+              <a14:hiddenFill xmlns:a14="http://schemas.microsoft.com/office/drawing/2010/main" xmlns="">
                 <a:solidFill>
                   <a:srgbClr val="FFFFFF"/>
                 </a:solidFill>
               </a14:hiddenFill>
             </a:ext>
             <a:ext uri="{91240B29-F687-4f45-9708-019B960494DF}">
-              <a14:hiddenLine xmlns="" xmlns:a14="http://schemas.microsoft.com/office/drawing/2010/main" w="12700">
+              <a14:hiddenLine xmlns:a14="http://schemas.microsoft.com/office/drawing/2010/main" xmlns="" w="12700">
                 <a:solidFill>
                   <a:srgbClr val="000000"/>
                 </a:solidFill>
@@ -7891,14 +7891,14 @@
           </a:ln>
           <a:extLst>
             <a:ext uri="{909E8E84-426E-40dd-AFC4-6F175D3DCCD1}">
-              <a14:hiddenFill xmlns="" xmlns:a14="http://schemas.microsoft.com/office/drawing/2010/main">
+              <a14:hiddenFill xmlns:a14="http://schemas.microsoft.com/office/drawing/2010/main" xmlns="">
                 <a:solidFill>
                   <a:srgbClr val="FFFFFF"/>
                 </a:solidFill>
               </a14:hiddenFill>
             </a:ext>
             <a:ext uri="{91240B29-F687-4f45-9708-019B960494DF}">
-              <a14:hiddenLine xmlns="" xmlns:a14="http://schemas.microsoft.com/office/drawing/2010/main" w="12700">
+              <a14:hiddenLine xmlns:a14="http://schemas.microsoft.com/office/drawing/2010/main" xmlns="" w="12700">
                 <a:solidFill>
                   <a:srgbClr val="000000"/>
                 </a:solidFill>
@@ -9590,14 +9590,6 @@
               </a:rPr>
               <a:t>idth</a:t>
             </a:r>
-            <a:endParaRPr lang="en-US" sz="2800" dirty="0" smtClean="0">
-              <a:solidFill>
-                <a:schemeClr val="bg1"/>
-              </a:solidFill>
-              <a:latin typeface="PT Mono" charset="0"/>
-              <a:ea typeface="PT Mono" charset="0"/>
-              <a:cs typeface="PT Mono" charset="0"/>
-            </a:endParaRPr>
           </a:p>
           <a:p>
             <a:pPr marL="457200" indent="-457200">
@@ -11214,7 +11206,18 @@
                 <a:ea typeface="DIN Alternate" charset="0"/>
                 <a:cs typeface="DIN Alternate" charset="0"/>
               </a:rPr>
-              <a:t> (</a:t>
+              <a:t> </a:t>
+            </a:r>
+            <a:r>
+              <a:rPr lang="en-US" sz="2800" dirty="0">
+                <a:solidFill>
+                  <a:schemeClr val="bg1"/>
+                </a:solidFill>
+                <a:latin typeface="DIN Alternate" charset="0"/>
+                <a:ea typeface="DIN Alternate" charset="0"/>
+                <a:cs typeface="DIN Alternate" charset="0"/>
+              </a:rPr>
+              <a:t>(</a:t>
             </a:r>
             <a:r>
               <a:rPr lang="en-US" sz="2800" dirty="0">
@@ -11229,7 +11232,7 @@
               <a:t>https://</a:t>
             </a:r>
             <a:r>
-              <a:rPr lang="en-US" sz="2800" dirty="0" smtClean="0">
+              <a:rPr lang="en-US" sz="2800" dirty="0" err="1" smtClean="0">
                 <a:solidFill>
                   <a:schemeClr val="bg1"/>
                 </a:solidFill>
@@ -11238,9 +11241,44 @@
                 <a:cs typeface="DIN Alternate" charset="0"/>
                 <a:hlinkClick r:id="rId4"/>
               </a:rPr>
-              <a:t>github.com/glenelkins/front-end-workshop)</a:t>
-            </a:r>
-            <a:endParaRPr lang="en-US" sz="2800" dirty="0" smtClean="0">
+              <a:t>github.com</a:t>
+            </a:r>
+            <a:r>
+              <a:rPr lang="en-US" sz="2800" dirty="0" smtClean="0">
+                <a:solidFill>
+                  <a:schemeClr val="bg1"/>
+                </a:solidFill>
+                <a:latin typeface="DIN Alternate" charset="0"/>
+                <a:ea typeface="DIN Alternate" charset="0"/>
+                <a:cs typeface="DIN Alternate" charset="0"/>
+                <a:hlinkClick r:id="rId4"/>
+              </a:rPr>
+              <a:t>/glenb0/</a:t>
+            </a:r>
+            <a:r>
+              <a:rPr lang="en-US" sz="2800" dirty="0" err="1" smtClean="0">
+                <a:solidFill>
+                  <a:schemeClr val="bg1"/>
+                </a:solidFill>
+                <a:latin typeface="DIN Alternate" charset="0"/>
+                <a:ea typeface="DIN Alternate" charset="0"/>
+                <a:cs typeface="DIN Alternate" charset="0"/>
+                <a:hlinkClick r:id="rId4"/>
+              </a:rPr>
+              <a:t>frontendworkshop</a:t>
+            </a:r>
+            <a:r>
+              <a:rPr lang="en-US" sz="2800" dirty="0" smtClean="0">
+                <a:solidFill>
+                  <a:schemeClr val="bg1"/>
+                </a:solidFill>
+                <a:latin typeface="DIN Alternate" charset="0"/>
+                <a:ea typeface="DIN Alternate" charset="0"/>
+                <a:cs typeface="DIN Alternate" charset="0"/>
+              </a:rPr>
+              <a:t>)</a:t>
+            </a:r>
+            <a:endParaRPr lang="en-US" sz="2800" dirty="0">
               <a:solidFill>
                 <a:schemeClr val="bg1"/>
               </a:solidFill>
@@ -11250,7 +11288,7 @@
             </a:endParaRPr>
           </a:p>
           <a:p>
-            <a:pPr marL="457200" indent="-457200">
+            <a:pPr marL="914400" lvl="1" indent="-457200">
               <a:lnSpc>
                 <a:spcPct val="150000"/>
               </a:lnSpc>
@@ -11266,7 +11304,18 @@
                 <a:ea typeface="DIN Alternate" charset="0"/>
                 <a:cs typeface="DIN Alternate" charset="0"/>
               </a:rPr>
-              <a:t>Local environment</a:t>
+              <a:t>Local </a:t>
+            </a:r>
+            <a:r>
+              <a:rPr lang="en-US" sz="2800" dirty="0" smtClean="0">
+                <a:solidFill>
+                  <a:schemeClr val="bg1"/>
+                </a:solidFill>
+                <a:latin typeface="DIN Alternate" charset="0"/>
+                <a:ea typeface="DIN Alternate" charset="0"/>
+                <a:cs typeface="DIN Alternate" charset="0"/>
+              </a:rPr>
+              <a:t>environment</a:t>
             </a:r>
           </a:p>
           <a:p>
@@ -11433,29 +11482,7 @@
                 <a:ea typeface="DIN Alternate" charset="0"/>
                 <a:cs typeface="DIN Alternate" charset="0"/>
               </a:rPr>
-              <a:t>How </a:t>
-            </a:r>
-            <a:r>
-              <a:rPr lang="en-US" sz="2800" dirty="0" smtClean="0">
-                <a:solidFill>
-                  <a:schemeClr val="bg1"/>
-                </a:solidFill>
-                <a:latin typeface="DIN Alternate" charset="0"/>
-                <a:ea typeface="DIN Alternate" charset="0"/>
-                <a:cs typeface="DIN Alternate" charset="0"/>
-              </a:rPr>
-              <a:t>Does CSS </a:t>
-            </a:r>
-            <a:r>
-              <a:rPr lang="en-US" sz="2800" dirty="0" smtClean="0">
-                <a:solidFill>
-                  <a:schemeClr val="bg1"/>
-                </a:solidFill>
-                <a:latin typeface="DIN Alternate" charset="0"/>
-                <a:ea typeface="DIN Alternate" charset="0"/>
-                <a:cs typeface="DIN Alternate" charset="0"/>
-              </a:rPr>
-              <a:t>Work?</a:t>
+              <a:t>How Does CSS Work?</a:t>
             </a:r>
           </a:p>
           <a:p>
@@ -11477,14 +11504,6 @@
               </a:rPr>
               <a:t>Targeting</a:t>
             </a:r>
-            <a:endParaRPr lang="en-US" sz="2800" dirty="0" smtClean="0">
-              <a:solidFill>
-                <a:schemeClr val="bg1"/>
-              </a:solidFill>
-              <a:latin typeface="DIN Alternate" charset="0"/>
-              <a:ea typeface="DIN Alternate" charset="0"/>
-              <a:cs typeface="DIN Alternate" charset="0"/>
-            </a:endParaRPr>
           </a:p>
           <a:p>
             <a:pPr marL="914400" lvl="1" indent="-457200">
@@ -11523,27 +11542,8 @@
                 <a:ea typeface="DIN Alternate" charset="0"/>
                 <a:cs typeface="DIN Alternate" charset="0"/>
               </a:rPr>
-              <a:t>Common CSS </a:t>
-            </a:r>
-            <a:r>
-              <a:rPr lang="en-US" sz="2800" dirty="0" smtClean="0">
-                <a:solidFill>
-                  <a:schemeClr val="bg1"/>
-                </a:solidFill>
-                <a:latin typeface="DIN Alternate" charset="0"/>
-                <a:ea typeface="DIN Alternate" charset="0"/>
-                <a:cs typeface="DIN Alternate" charset="0"/>
-              </a:rPr>
-              <a:t>Attributes</a:t>
-            </a:r>
-            <a:endParaRPr lang="en-US" sz="2800" dirty="0" smtClean="0">
-              <a:solidFill>
-                <a:schemeClr val="bg1"/>
-              </a:solidFill>
-              <a:latin typeface="DIN Alternate" charset="0"/>
-              <a:ea typeface="DIN Alternate" charset="0"/>
-              <a:cs typeface="DIN Alternate" charset="0"/>
-            </a:endParaRPr>
+              <a:t>Common CSS Attributes</a:t>
+            </a:r>
           </a:p>
           <a:p>
             <a:pPr marL="914400" lvl="1" indent="-457200">
@@ -11602,18 +11602,7 @@
                 <a:ea typeface="DIN Alternate" charset="0"/>
                 <a:cs typeface="DIN Alternate" charset="0"/>
               </a:rPr>
-              <a:t>Styling our page / live coding  </a:t>
-            </a:r>
-            <a:r>
-              <a:rPr lang="en-US" sz="2800" dirty="0" smtClean="0">
-                <a:solidFill>
-                  <a:schemeClr val="bg1"/>
-                </a:solidFill>
-                <a:latin typeface="DIN Alternate" charset="0"/>
-                <a:ea typeface="DIN Alternate" charset="0"/>
-                <a:cs typeface="DIN Alternate" charset="0"/>
-              </a:rPr>
-              <a:t>session</a:t>
+              <a:t>Styling our page / live coding  session</a:t>
             </a:r>
             <a:endParaRPr lang="en-US" sz="2800" dirty="0">
               <a:solidFill>
